--- a/Partie_Remi/Compte_rendu/Presentation_Partie_Remi.pptx
+++ b/Partie_Remi/Compte_rendu/Presentation_Partie_Remi.pptx
@@ -7,15 +7,17 @@
   <p:sldIdLst>
     <p:sldId id="256" r:id="rId2"/>
     <p:sldId id="257" r:id="rId3"/>
-    <p:sldId id="271" r:id="rId4"/>
-    <p:sldId id="263" r:id="rId5"/>
-    <p:sldId id="264" r:id="rId6"/>
-    <p:sldId id="265" r:id="rId7"/>
-    <p:sldId id="268" r:id="rId8"/>
-    <p:sldId id="267" r:id="rId9"/>
-    <p:sldId id="270" r:id="rId10"/>
-    <p:sldId id="269" r:id="rId11"/>
-    <p:sldId id="272" r:id="rId12"/>
+    <p:sldId id="263" r:id="rId4"/>
+    <p:sldId id="273" r:id="rId5"/>
+    <p:sldId id="275" r:id="rId6"/>
+    <p:sldId id="264" r:id="rId7"/>
+    <p:sldId id="265" r:id="rId8"/>
+    <p:sldId id="268" r:id="rId9"/>
+    <p:sldId id="267" r:id="rId10"/>
+    <p:sldId id="270" r:id="rId11"/>
+    <p:sldId id="269" r:id="rId12"/>
+    <p:sldId id="272" r:id="rId13"/>
+    <p:sldId id="274" r:id="rId14"/>
   </p:sldIdLst>
   <p:sldSz cx="12192000" cy="6858000"/>
   <p:notesSz cx="6858000" cy="9144000"/>
@@ -4407,7 +4409,7 @@
             <a:fld id="{48A87A34-81AB-432B-8DAE-1953F412C126}" type="datetimeFigureOut">
               <a:rPr lang="en-US" dirty="0"/>
               <a:pPr/>
-              <a:t>4/10/2018</a:t>
+              <a:t>4/19/2018</a:t>
             </a:fld>
             <a:endParaRPr lang="en-US" dirty="0"/>
           </a:p>
@@ -4679,7 +4681,7 @@
             <a:fld id="{48A87A34-81AB-432B-8DAE-1953F412C126}" type="datetimeFigureOut">
               <a:rPr lang="en-US" dirty="0"/>
               <a:pPr/>
-              <a:t>4/10/2018</a:t>
+              <a:t>4/19/2018</a:t>
             </a:fld>
             <a:endParaRPr lang="en-US" dirty="0"/>
           </a:p>
@@ -4880,7 +4882,7 @@
             <a:fld id="{48A87A34-81AB-432B-8DAE-1953F412C126}" type="datetimeFigureOut">
               <a:rPr lang="en-US" dirty="0"/>
               <a:pPr/>
-              <a:t>4/10/2018</a:t>
+              <a:t>4/19/2018</a:t>
             </a:fld>
             <a:endParaRPr lang="en-US" dirty="0"/>
           </a:p>
@@ -5148,7 +5150,7 @@
             <a:fld id="{48A87A34-81AB-432B-8DAE-1953F412C126}" type="datetimeFigureOut">
               <a:rPr lang="en-US" dirty="0"/>
               <a:pPr/>
-              <a:t>4/10/2018</a:t>
+              <a:t>4/19/2018</a:t>
             </a:fld>
             <a:endParaRPr lang="en-US" dirty="0"/>
           </a:p>
@@ -5587,7 +5589,7 @@
             <a:fld id="{48A87A34-81AB-432B-8DAE-1953F412C126}" type="datetimeFigureOut">
               <a:rPr lang="en-US" dirty="0"/>
               <a:pPr/>
-              <a:t>4/10/2018</a:t>
+              <a:t>4/19/2018</a:t>
             </a:fld>
             <a:endParaRPr lang="en-US" dirty="0"/>
           </a:p>
@@ -6138,7 +6140,7 @@
             <a:fld id="{48A87A34-81AB-432B-8DAE-1953F412C126}" type="datetimeFigureOut">
               <a:rPr lang="en-US" dirty="0"/>
               <a:pPr/>
-              <a:t>4/10/2018</a:t>
+              <a:t>4/19/2018</a:t>
             </a:fld>
             <a:endParaRPr lang="en-US" dirty="0"/>
           </a:p>
@@ -6863,7 +6865,7 @@
             <a:fld id="{48A87A34-81AB-432B-8DAE-1953F412C126}" type="datetimeFigureOut">
               <a:rPr lang="en-US" dirty="0"/>
               <a:pPr/>
-              <a:t>4/10/2018</a:t>
+              <a:t>4/19/2018</a:t>
             </a:fld>
             <a:endParaRPr lang="en-US" dirty="0"/>
           </a:p>
@@ -7038,7 +7040,7 @@
             <a:fld id="{48A87A34-81AB-432B-8DAE-1953F412C126}" type="datetimeFigureOut">
               <a:rPr lang="en-US" dirty="0"/>
               <a:pPr/>
-              <a:t>4/10/2018</a:t>
+              <a:t>4/19/2018</a:t>
             </a:fld>
             <a:endParaRPr lang="en-US" dirty="0"/>
           </a:p>
@@ -7223,7 +7225,7 @@
             <a:fld id="{48A87A34-81AB-432B-8DAE-1953F412C126}" type="datetimeFigureOut">
               <a:rPr lang="en-US" dirty="0"/>
               <a:pPr/>
-              <a:t>4/10/2018</a:t>
+              <a:t>4/19/2018</a:t>
             </a:fld>
             <a:endParaRPr lang="en-US" dirty="0"/>
           </a:p>
@@ -7398,7 +7400,7 @@
             <a:fld id="{48A87A34-81AB-432B-8DAE-1953F412C126}" type="datetimeFigureOut">
               <a:rPr lang="en-US" dirty="0"/>
               <a:pPr/>
-              <a:t>4/10/2018</a:t>
+              <a:t>4/19/2018</a:t>
             </a:fld>
             <a:endParaRPr lang="en-US" dirty="0"/>
           </a:p>
@@ -7653,7 +7655,7 @@
             <a:fld id="{48A87A34-81AB-432B-8DAE-1953F412C126}" type="datetimeFigureOut">
               <a:rPr lang="en-US" dirty="0"/>
               <a:pPr/>
-              <a:t>4/10/2018</a:t>
+              <a:t>4/19/2018</a:t>
             </a:fld>
             <a:endParaRPr lang="en-US" dirty="0"/>
           </a:p>
@@ -7890,7 +7892,7 @@
             <a:fld id="{48A87A34-81AB-432B-8DAE-1953F412C126}" type="datetimeFigureOut">
               <a:rPr lang="en-US" dirty="0"/>
               <a:pPr/>
-              <a:t>4/10/2018</a:t>
+              <a:t>4/19/2018</a:t>
             </a:fld>
             <a:endParaRPr lang="en-US" dirty="0"/>
           </a:p>
@@ -8276,7 +8278,7 @@
             <a:fld id="{48A87A34-81AB-432B-8DAE-1953F412C126}" type="datetimeFigureOut">
               <a:rPr lang="en-US" dirty="0"/>
               <a:pPr/>
-              <a:t>4/10/2018</a:t>
+              <a:t>4/19/2018</a:t>
             </a:fld>
             <a:endParaRPr lang="en-US" dirty="0"/>
           </a:p>
@@ -8399,7 +8401,7 @@
             <a:fld id="{48A87A34-81AB-432B-8DAE-1953F412C126}" type="datetimeFigureOut">
               <a:rPr lang="en-US" dirty="0"/>
               <a:pPr/>
-              <a:t>4/10/2018</a:t>
+              <a:t>4/19/2018</a:t>
             </a:fld>
             <a:endParaRPr lang="en-US" dirty="0"/>
           </a:p>
@@ -8499,7 +8501,7 @@
             <a:fld id="{48A87A34-81AB-432B-8DAE-1953F412C126}" type="datetimeFigureOut">
               <a:rPr lang="en-US" dirty="0"/>
               <a:pPr/>
-              <a:t>4/10/2018</a:t>
+              <a:t>4/19/2018</a:t>
             </a:fld>
             <a:endParaRPr lang="en-US" dirty="0"/>
           </a:p>
@@ -8753,7 +8755,7 @@
             <a:fld id="{48A87A34-81AB-432B-8DAE-1953F412C126}" type="datetimeFigureOut">
               <a:rPr lang="en-US" dirty="0"/>
               <a:pPr/>
-              <a:t>4/10/2018</a:t>
+              <a:t>4/19/2018</a:t>
             </a:fld>
             <a:endParaRPr lang="en-US" dirty="0"/>
           </a:p>
@@ -9038,7 +9040,7 @@
             <a:fld id="{48A87A34-81AB-432B-8DAE-1953F412C126}" type="datetimeFigureOut">
               <a:rPr lang="en-US" dirty="0"/>
               <a:pPr/>
-              <a:t>4/10/2018</a:t>
+              <a:t>4/19/2018</a:t>
             </a:fld>
             <a:endParaRPr lang="en-US" dirty="0"/>
           </a:p>
@@ -12115,7 +12117,7 @@
             <a:fld id="{48A87A34-81AB-432B-8DAE-1953F412C126}" type="datetimeFigureOut">
               <a:rPr lang="en-US" dirty="0"/>
               <a:pPr/>
-              <a:t>4/10/2018</a:t>
+              <a:t>4/19/2018</a:t>
             </a:fld>
             <a:endParaRPr lang="en-US" dirty="0"/>
           </a:p>
@@ -12682,6 +12684,107 @@
             </a:br>
             <a:r>
               <a:rPr lang="fr-FR" dirty="0" smtClean="0"/>
+              <a:t>Classe</a:t>
+            </a:r>
+            <a:endParaRPr lang="fr-FR" dirty="0"/>
+          </a:p>
+        </p:txBody>
+      </p:sp>
+      <p:pic>
+        <p:nvPicPr>
+          <p:cNvPr id="3074" name="Picture 2"/>
+          <p:cNvPicPr>
+            <a:picLocks noChangeAspect="1" noChangeArrowheads="1"/>
+          </p:cNvPicPr>
+          <p:nvPr/>
+        </p:nvPicPr>
+        <p:blipFill>
+          <a:blip r:embed="rId2"/>
+          <a:srcRect/>
+          <a:stretch>
+            <a:fillRect/>
+          </a:stretch>
+        </p:blipFill>
+        <p:spPr bwMode="auto">
+          <a:xfrm>
+            <a:off x="0" y="1580148"/>
+            <a:ext cx="12192000" cy="5277852"/>
+          </a:xfrm>
+          <a:prstGeom prst="rect">
+            <a:avLst/>
+          </a:prstGeom>
+          <a:noFill/>
+          <a:ln w="9525">
+            <a:noFill/>
+            <a:miter lim="800000"/>
+            <a:headEnd/>
+            <a:tailEnd/>
+          </a:ln>
+          <a:effectLst/>
+        </p:spPr>
+      </p:pic>
+    </p:spTree>
+  </p:cSld>
+  <p:clrMapOvr>
+    <a:masterClrMapping/>
+  </p:clrMapOvr>
+  <p:timing>
+    <p:tnLst>
+      <p:par>
+        <p:cTn id="1" dur="indefinite" restart="never" nodeType="tmRoot"/>
+      </p:par>
+    </p:tnLst>
+  </p:timing>
+</p:sld>
+</file>
+
+<file path=ppt/slides/slide11.xml><?xml version="1.0" encoding="utf-8"?>
+<p:sld xmlns:a="http://schemas.openxmlformats.org/drawingml/2006/main" xmlns:r="http://schemas.openxmlformats.org/officeDocument/2006/relationships" xmlns:p="http://schemas.openxmlformats.org/presentationml/2006/main">
+  <p:cSld>
+    <p:spTree>
+      <p:nvGrpSpPr>
+        <p:cNvPr id="1" name=""/>
+        <p:cNvGrpSpPr/>
+        <p:nvPr/>
+      </p:nvGrpSpPr>
+      <p:grpSpPr>
+        <a:xfrm>
+          <a:off x="0" y="0"/>
+          <a:ext cx="0" cy="0"/>
+          <a:chOff x="0" y="0"/>
+          <a:chExt cx="0" cy="0"/>
+        </a:xfrm>
+      </p:grpSpPr>
+      <p:sp>
+        <p:nvSpPr>
+          <p:cNvPr id="2" name="Titre 1"/>
+          <p:cNvSpPr>
+            <a:spLocks noGrp="1"/>
+          </p:cNvSpPr>
+          <p:nvPr>
+            <p:ph type="title"/>
+          </p:nvPr>
+        </p:nvSpPr>
+        <p:spPr>
+          <a:xfrm>
+            <a:off x="1173499" y="265592"/>
+            <a:ext cx="9905999" cy="1478570"/>
+          </a:xfrm>
+        </p:spPr>
+        <p:txBody>
+          <a:bodyPr/>
+          <a:lstStyle/>
+          <a:p>
+            <a:pPr algn="ctr"/>
+            <a:r>
+              <a:rPr lang="fr-FR" dirty="0" smtClean="0"/>
+              <a:t>Capteur CV3F</a:t>
+            </a:r>
+            <a:br>
+              <a:rPr lang="fr-FR" dirty="0" smtClean="0"/>
+            </a:br>
+            <a:r>
+              <a:rPr lang="fr-FR" dirty="0" smtClean="0"/>
               <a:t>suite classe</a:t>
             </a:r>
             <a:endParaRPr lang="fr-FR" dirty="0"/>
@@ -12769,7 +12872,7 @@
 </p:sld>
 </file>
 
-<file path=ppt/slides/slide11.xml><?xml version="1.0" encoding="utf-8"?>
+<file path=ppt/slides/slide12.xml><?xml version="1.0" encoding="utf-8"?>
 <p:sld xmlns:a="http://schemas.openxmlformats.org/drawingml/2006/main" xmlns:r="http://schemas.openxmlformats.org/officeDocument/2006/relationships" xmlns:p="http://schemas.openxmlformats.org/presentationml/2006/main">
   <p:cSld>
     <p:spTree>
@@ -12821,6 +12924,86 @@
           <a:effectLst/>
         </p:spPr>
       </p:pic>
+    </p:spTree>
+  </p:cSld>
+  <p:clrMapOvr>
+    <a:masterClrMapping/>
+  </p:clrMapOvr>
+  <p:timing>
+    <p:tnLst>
+      <p:par>
+        <p:cTn id="1" dur="indefinite" restart="never" nodeType="tmRoot"/>
+      </p:par>
+    </p:tnLst>
+  </p:timing>
+</p:sld>
+</file>
+
+<file path=ppt/slides/slide13.xml><?xml version="1.0" encoding="utf-8"?>
+<p:sld xmlns:a="http://schemas.openxmlformats.org/drawingml/2006/main" xmlns:r="http://schemas.openxmlformats.org/officeDocument/2006/relationships" xmlns:p="http://schemas.openxmlformats.org/presentationml/2006/main">
+  <p:cSld>
+    <p:spTree>
+      <p:nvGrpSpPr>
+        <p:cNvPr id="1" name=""/>
+        <p:cNvGrpSpPr/>
+        <p:nvPr/>
+      </p:nvGrpSpPr>
+      <p:grpSpPr>
+        <a:xfrm>
+          <a:off x="0" y="0"/>
+          <a:ext cx="0" cy="0"/>
+          <a:chOff x="0" y="0"/>
+          <a:chExt cx="0" cy="0"/>
+        </a:xfrm>
+      </p:grpSpPr>
+      <p:sp>
+        <p:nvSpPr>
+          <p:cNvPr id="2" name="Titre 1"/>
+          <p:cNvSpPr>
+            <a:spLocks noGrp="1"/>
+          </p:cNvSpPr>
+          <p:nvPr>
+            <p:ph type="title"/>
+          </p:nvPr>
+        </p:nvSpPr>
+        <p:spPr>
+          <a:xfrm>
+            <a:off x="1069224" y="0"/>
+            <a:ext cx="9905999" cy="1478570"/>
+          </a:xfrm>
+        </p:spPr>
+        <p:txBody>
+          <a:bodyPr/>
+          <a:lstStyle/>
+          <a:p>
+            <a:pPr algn="ctr"/>
+            <a:r>
+              <a:rPr lang="fr-FR" dirty="0" smtClean="0"/>
+              <a:t>Trame INImEAC</a:t>
+            </a:r>
+            <a:endParaRPr lang="fr-FR" dirty="0"/>
+          </a:p>
+        </p:txBody>
+      </p:sp>
+      <p:sp>
+        <p:nvSpPr>
+          <p:cNvPr id="4" name="Espace réservé du contenu 3"/>
+          <p:cNvSpPr>
+            <a:spLocks noGrp="1"/>
+          </p:cNvSpPr>
+          <p:nvPr>
+            <p:ph idx="1"/>
+          </p:nvPr>
+        </p:nvSpPr>
+        <p:spPr/>
+        <p:txBody>
+          <a:bodyPr/>
+          <a:lstStyle/>
+          <a:p>
+            <a:endParaRPr lang="fr-FR"/>
+          </a:p>
+        </p:txBody>
+      </p:sp>
     </p:spTree>
   </p:cSld>
   <p:clrMapOvr>
@@ -12992,90 +13175,6 @@
             <p:ph type="title"/>
           </p:nvPr>
         </p:nvSpPr>
-        <p:spPr/>
-        <p:txBody>
-          <a:bodyPr/>
-          <a:lstStyle/>
-          <a:p>
-            <a:pPr algn="ctr"/>
-            <a:r>
-              <a:rPr lang="fr-FR" dirty="0" smtClean="0"/>
-              <a:t>Partie étudiant 1</a:t>
-            </a:r>
-            <a:endParaRPr lang="fr-FR" dirty="0"/>
-          </a:p>
-        </p:txBody>
-      </p:sp>
-      <p:pic>
-        <p:nvPicPr>
-          <p:cNvPr id="37891" name="Picture 3"/>
-          <p:cNvPicPr>
-            <a:picLocks noGrp="1" noChangeAspect="1" noChangeArrowheads="1"/>
-          </p:cNvPicPr>
-          <p:nvPr>
-            <p:ph idx="1"/>
-          </p:nvPr>
-        </p:nvPicPr>
-        <p:blipFill>
-          <a:blip r:embed="rId2"/>
-          <a:srcRect/>
-          <a:stretch>
-            <a:fillRect/>
-          </a:stretch>
-        </p:blipFill>
-        <p:spPr bwMode="auto">
-          <a:xfrm>
-            <a:off x="1820779" y="1652337"/>
-            <a:ext cx="7641599" cy="4946571"/>
-          </a:xfrm>
-          <a:prstGeom prst="rect">
-            <a:avLst/>
-          </a:prstGeom>
-          <a:noFill/>
-          <a:ln w="9525">
-            <a:noFill/>
-            <a:miter lim="800000"/>
-            <a:headEnd/>
-            <a:tailEnd/>
-          </a:ln>
-          <a:effectLst/>
-        </p:spPr>
-      </p:pic>
-    </p:spTree>
-  </p:cSld>
-  <p:clrMapOvr>
-    <a:masterClrMapping/>
-  </p:clrMapOvr>
-</p:sld>
-</file>
-
-<file path=ppt/slides/slide4.xml><?xml version="1.0" encoding="utf-8"?>
-<p:sld xmlns:a="http://schemas.openxmlformats.org/drawingml/2006/main" xmlns:r="http://schemas.openxmlformats.org/officeDocument/2006/relationships" xmlns:p="http://schemas.openxmlformats.org/presentationml/2006/main">
-  <p:cSld>
-    <p:spTree>
-      <p:nvGrpSpPr>
-        <p:cNvPr id="1" name=""/>
-        <p:cNvGrpSpPr/>
-        <p:nvPr/>
-      </p:nvGrpSpPr>
-      <p:grpSpPr>
-        <a:xfrm>
-          <a:off x="0" y="0"/>
-          <a:ext cx="0" cy="0"/>
-          <a:chOff x="0" y="0"/>
-          <a:chExt cx="0" cy="0"/>
-        </a:xfrm>
-      </p:grpSpPr>
-      <p:sp>
-        <p:nvSpPr>
-          <p:cNvPr id="2" name="Titre 1"/>
-          <p:cNvSpPr>
-            <a:spLocks noGrp="1"/>
-          </p:cNvSpPr>
-          <p:nvPr>
-            <p:ph type="title"/>
-          </p:nvPr>
-        </p:nvSpPr>
         <p:spPr>
           <a:xfrm>
             <a:off x="1157455" y="442055"/>
@@ -13091,7 +13190,11 @@
             <a:pPr algn="ctr"/>
             <a:r>
               <a:rPr lang="fr-FR" dirty="0" smtClean="0"/>
-              <a:t>étudiant 1: Partie Capteur</a:t>
+              <a:t>Partie </a:t>
+            </a:r>
+            <a:r>
+              <a:rPr lang="fr-FR" dirty="0" smtClean="0"/>
+              <a:t>Capteur</a:t>
             </a:r>
             <a:br>
               <a:rPr lang="fr-FR" dirty="0" smtClean="0"/>
@@ -13253,7 +13356,190 @@
 </p:sld>
 </file>
 
+<file path=ppt/slides/slide4.xml><?xml version="1.0" encoding="utf-8"?>
+<p:sld xmlns:a="http://schemas.openxmlformats.org/drawingml/2006/main" xmlns:r="http://schemas.openxmlformats.org/officeDocument/2006/relationships" xmlns:p="http://schemas.openxmlformats.org/presentationml/2006/main">
+  <p:cSld>
+    <p:spTree>
+      <p:nvGrpSpPr>
+        <p:cNvPr id="1" name=""/>
+        <p:cNvGrpSpPr/>
+        <p:nvPr/>
+      </p:nvGrpSpPr>
+      <p:grpSpPr>
+        <a:xfrm>
+          <a:off x="0" y="0"/>
+          <a:ext cx="0" cy="0"/>
+          <a:chOff x="0" y="0"/>
+          <a:chExt cx="0" cy="0"/>
+        </a:xfrm>
+      </p:grpSpPr>
+      <p:sp>
+        <p:nvSpPr>
+          <p:cNvPr id="2" name="Titre 1"/>
+          <p:cNvSpPr>
+            <a:spLocks noGrp="1"/>
+          </p:cNvSpPr>
+          <p:nvPr>
+            <p:ph type="title"/>
+          </p:nvPr>
+        </p:nvSpPr>
+        <p:spPr>
+          <a:xfrm>
+            <a:off x="1101308" y="-256674"/>
+            <a:ext cx="9905999" cy="1478570"/>
+          </a:xfrm>
+        </p:spPr>
+        <p:txBody>
+          <a:bodyPr/>
+          <a:lstStyle/>
+          <a:p>
+            <a:pPr algn="ctr"/>
+            <a:r>
+              <a:rPr lang="fr-FR" dirty="0" smtClean="0"/>
+              <a:t>Schéma partie capteur</a:t>
+            </a:r>
+            <a:endParaRPr lang="fr-FR" dirty="0"/>
+          </a:p>
+        </p:txBody>
+      </p:sp>
+      <p:pic>
+        <p:nvPicPr>
+          <p:cNvPr id="1028" name="Picture 4"/>
+          <p:cNvPicPr>
+            <a:picLocks noGrp="1" noChangeAspect="1" noChangeArrowheads="1"/>
+          </p:cNvPicPr>
+          <p:nvPr>
+            <p:ph idx="1"/>
+          </p:nvPr>
+        </p:nvPicPr>
+        <p:blipFill>
+          <a:blip r:embed="rId2"/>
+          <a:srcRect/>
+          <a:stretch>
+            <a:fillRect/>
+          </a:stretch>
+        </p:blipFill>
+        <p:spPr bwMode="auto">
+          <a:xfrm>
+            <a:off x="2470484" y="787622"/>
+            <a:ext cx="7007226" cy="6070378"/>
+          </a:xfrm>
+          <a:prstGeom prst="rect">
+            <a:avLst/>
+          </a:prstGeom>
+          <a:noFill/>
+          <a:ln w="9525">
+            <a:noFill/>
+            <a:miter lim="800000"/>
+            <a:headEnd/>
+            <a:tailEnd/>
+          </a:ln>
+          <a:effectLst/>
+        </p:spPr>
+      </p:pic>
+    </p:spTree>
+  </p:cSld>
+  <p:clrMapOvr>
+    <a:masterClrMapping/>
+  </p:clrMapOvr>
+  <p:timing>
+    <p:tnLst>
+      <p:par>
+        <p:cTn id="1" dur="indefinite" restart="never" nodeType="tmRoot"/>
+      </p:par>
+    </p:tnLst>
+  </p:timing>
+</p:sld>
+</file>
+
 <file path=ppt/slides/slide5.xml><?xml version="1.0" encoding="utf-8"?>
+<p:sld xmlns:a="http://schemas.openxmlformats.org/drawingml/2006/main" xmlns:r="http://schemas.openxmlformats.org/officeDocument/2006/relationships" xmlns:p="http://schemas.openxmlformats.org/presentationml/2006/main">
+  <p:cSld>
+    <p:spTree>
+      <p:nvGrpSpPr>
+        <p:cNvPr id="1" name=""/>
+        <p:cNvGrpSpPr/>
+        <p:nvPr/>
+      </p:nvGrpSpPr>
+      <p:grpSpPr>
+        <a:xfrm>
+          <a:off x="0" y="0"/>
+          <a:ext cx="0" cy="0"/>
+          <a:chOff x="0" y="0"/>
+          <a:chExt cx="0" cy="0"/>
+        </a:xfrm>
+      </p:grpSpPr>
+      <p:sp>
+        <p:nvSpPr>
+          <p:cNvPr id="2" name="Titre 1"/>
+          <p:cNvSpPr>
+            <a:spLocks noGrp="1"/>
+          </p:cNvSpPr>
+          <p:nvPr>
+            <p:ph type="title"/>
+          </p:nvPr>
+        </p:nvSpPr>
+        <p:spPr>
+          <a:xfrm>
+            <a:off x="1053181" y="0"/>
+            <a:ext cx="9905999" cy="1478570"/>
+          </a:xfrm>
+        </p:spPr>
+        <p:txBody>
+          <a:bodyPr/>
+          <a:lstStyle/>
+          <a:p>
+            <a:pPr algn="ctr"/>
+            <a:r>
+              <a:rPr lang="fr-FR" dirty="0" smtClean="0"/>
+              <a:t>Image du Montage </a:t>
+            </a:r>
+            <a:br>
+              <a:rPr lang="fr-FR" dirty="0" smtClean="0"/>
+            </a:br>
+            <a:r>
+              <a:rPr lang="fr-FR" dirty="0" smtClean="0"/>
+              <a:t>de la partie Capteur</a:t>
+            </a:r>
+            <a:endParaRPr lang="fr-FR" dirty="0"/>
+          </a:p>
+        </p:txBody>
+      </p:sp>
+      <p:sp>
+        <p:nvSpPr>
+          <p:cNvPr id="4" name="Espace réservé du contenu 3"/>
+          <p:cNvSpPr>
+            <a:spLocks noGrp="1"/>
+          </p:cNvSpPr>
+          <p:nvPr>
+            <p:ph idx="1"/>
+          </p:nvPr>
+        </p:nvSpPr>
+        <p:spPr/>
+        <p:txBody>
+          <a:bodyPr/>
+          <a:lstStyle/>
+          <a:p>
+            <a:endParaRPr lang="fr-FR"/>
+          </a:p>
+        </p:txBody>
+      </p:sp>
+    </p:spTree>
+  </p:cSld>
+  <p:clrMapOvr>
+    <a:masterClrMapping/>
+  </p:clrMapOvr>
+  <p:timing>
+    <p:tnLst>
+      <p:par>
+        <p:cTn id="1" dur="indefinite" restart="never" nodeType="tmRoot"/>
+      </p:par>
+    </p:tnLst>
+  </p:timing>
+</p:sld>
+</file>
+
+<file path=ppt/slides/slide6.xml><?xml version="1.0" encoding="utf-8"?>
 <p:sld xmlns:a="http://schemas.openxmlformats.org/drawingml/2006/main" xmlns:r="http://schemas.openxmlformats.org/officeDocument/2006/relationships" xmlns:p="http://schemas.openxmlformats.org/presentationml/2006/main">
   <p:cSld>
     <p:spTree>
@@ -13381,7 +13667,7 @@
 </p:sld>
 </file>
 
-<file path=ppt/slides/slide6.xml><?xml version="1.0" encoding="utf-8"?>
+<file path=ppt/slides/slide7.xml><?xml version="1.0" encoding="utf-8"?>
 <p:sld xmlns:a="http://schemas.openxmlformats.org/drawingml/2006/main" xmlns:r="http://schemas.openxmlformats.org/officeDocument/2006/relationships" xmlns:p="http://schemas.openxmlformats.org/presentationml/2006/main">
   <p:cSld>
     <p:spTree>
@@ -13524,7 +13810,7 @@
 </p:sld>
 </file>
 
-<file path=ppt/slides/slide7.xml><?xml version="1.0" encoding="utf-8"?>
+<file path=ppt/slides/slide8.xml><?xml version="1.0" encoding="utf-8"?>
 <p:sld xmlns:a="http://schemas.openxmlformats.org/drawingml/2006/main" xmlns:r="http://schemas.openxmlformats.org/officeDocument/2006/relationships" xmlns:p="http://schemas.openxmlformats.org/presentationml/2006/main">
   <p:cSld>
     <p:spTree>
@@ -13667,103 +13953,6 @@
 </p:sld>
 </file>
 
-<file path=ppt/slides/slide8.xml><?xml version="1.0" encoding="utf-8"?>
-<p:sld xmlns:a="http://schemas.openxmlformats.org/drawingml/2006/main" xmlns:r="http://schemas.openxmlformats.org/officeDocument/2006/relationships" xmlns:p="http://schemas.openxmlformats.org/presentationml/2006/main">
-  <p:cSld>
-    <p:spTree>
-      <p:nvGrpSpPr>
-        <p:cNvPr id="1" name=""/>
-        <p:cNvGrpSpPr/>
-        <p:nvPr/>
-      </p:nvGrpSpPr>
-      <p:grpSpPr>
-        <a:xfrm>
-          <a:off x="0" y="0"/>
-          <a:ext cx="0" cy="0"/>
-          <a:chOff x="0" y="0"/>
-          <a:chExt cx="0" cy="0"/>
-        </a:xfrm>
-      </p:grpSpPr>
-      <p:sp>
-        <p:nvSpPr>
-          <p:cNvPr id="2" name="Titre 1"/>
-          <p:cNvSpPr>
-            <a:spLocks noGrp="1"/>
-          </p:cNvSpPr>
-          <p:nvPr>
-            <p:ph type="title"/>
-          </p:nvPr>
-        </p:nvSpPr>
-        <p:spPr>
-          <a:xfrm>
-            <a:off x="1173499" y="265592"/>
-            <a:ext cx="9905999" cy="1478570"/>
-          </a:xfrm>
-        </p:spPr>
-        <p:txBody>
-          <a:bodyPr/>
-          <a:lstStyle/>
-          <a:p>
-            <a:pPr algn="ctr"/>
-            <a:r>
-              <a:rPr lang="fr-FR" dirty="0" smtClean="0"/>
-              <a:t/>
-            </a:r>
-            <a:br>
-              <a:rPr lang="fr-FR" dirty="0" smtClean="0"/>
-            </a:br>
-            <a:endParaRPr lang="fr-FR" dirty="0"/>
-          </a:p>
-        </p:txBody>
-      </p:sp>
-      <p:pic>
-        <p:nvPicPr>
-          <p:cNvPr id="1026" name="Picture 2"/>
-          <p:cNvPicPr>
-            <a:picLocks noChangeAspect="1" noChangeArrowheads="1"/>
-          </p:cNvPicPr>
-          <p:nvPr/>
-        </p:nvPicPr>
-        <p:blipFill>
-          <a:blip r:embed="rId2"/>
-          <a:srcRect/>
-          <a:stretch>
-            <a:fillRect/>
-          </a:stretch>
-        </p:blipFill>
-        <p:spPr bwMode="auto">
-          <a:xfrm>
-            <a:off x="3081467" y="100486"/>
-            <a:ext cx="6527754" cy="6814898"/>
-          </a:xfrm>
-          <a:prstGeom prst="rect">
-            <a:avLst/>
-          </a:prstGeom>
-          <a:noFill/>
-          <a:ln w="9525">
-            <a:noFill/>
-            <a:miter lim="800000"/>
-            <a:headEnd/>
-            <a:tailEnd/>
-          </a:ln>
-          <a:effectLst/>
-        </p:spPr>
-      </p:pic>
-    </p:spTree>
-  </p:cSld>
-  <p:clrMapOvr>
-    <a:masterClrMapping/>
-  </p:clrMapOvr>
-  <p:timing>
-    <p:tnLst>
-      <p:par>
-        <p:cTn id="1" dur="indefinite" restart="never" nodeType="tmRoot"/>
-      </p:par>
-    </p:tnLst>
-  </p:timing>
-</p:sld>
-</file>
-
 <file path=ppt/slides/slide9.xml><?xml version="1.0" encoding="utf-8"?>
 <p:sld xmlns:a="http://schemas.openxmlformats.org/drawingml/2006/main" xmlns:r="http://schemas.openxmlformats.org/officeDocument/2006/relationships" xmlns:p="http://schemas.openxmlformats.org/presentationml/2006/main">
   <p:cSld>
@@ -13804,22 +13993,18 @@
             <a:pPr algn="ctr"/>
             <a:r>
               <a:rPr lang="fr-FR" dirty="0" smtClean="0"/>
-              <a:t>Capteur CV3F</a:t>
+              <a:t/>
             </a:r>
             <a:br>
               <a:rPr lang="fr-FR" dirty="0" smtClean="0"/>
             </a:br>
-            <a:r>
-              <a:rPr lang="fr-FR" dirty="0" smtClean="0"/>
-              <a:t>suite Classe</a:t>
-            </a:r>
             <a:endParaRPr lang="fr-FR" dirty="0"/>
           </a:p>
         </p:txBody>
       </p:sp>
       <p:pic>
         <p:nvPicPr>
-          <p:cNvPr id="3074" name="Picture 2"/>
+          <p:cNvPr id="1026" name="Picture 2"/>
           <p:cNvPicPr>
             <a:picLocks noChangeAspect="1" noChangeArrowheads="1"/>
           </p:cNvPicPr>
@@ -13834,8 +14019,8 @@
         </p:blipFill>
         <p:spPr bwMode="auto">
           <a:xfrm>
-            <a:off x="0" y="1580148"/>
-            <a:ext cx="12192000" cy="5277852"/>
+            <a:off x="3081467" y="100486"/>
+            <a:ext cx="6527754" cy="6814898"/>
           </a:xfrm>
           <a:prstGeom prst="rect">
             <a:avLst/>
